--- a/lab.pptx
+++ b/lab.pptx
@@ -5,13 +5,14 @@
     <p:sldMasterId id="2147483648" r:id="rId1"/>
   </p:sldMasterIdLst>
   <p:notesMasterIdLst>
-    <p:notesMasterId r:id="rId6"/>
+    <p:notesMasterId r:id="rId7"/>
   </p:notesMasterIdLst>
   <p:sldIdLst>
     <p:sldId id="256" r:id="rId2"/>
     <p:sldId id="257" r:id="rId3"/>
     <p:sldId id="258" r:id="rId4"/>
     <p:sldId id="259" r:id="rId5"/>
+    <p:sldId id="260" r:id="rId6"/>
   </p:sldIdLst>
   <p:sldSz cx="12192000" cy="6858000"/>
   <p:notesSz cx="6858000" cy="9144000"/>
@@ -3190,7 +3191,7 @@
           <a:p>
             <a:fld id="{373EB833-39A1-41D3-981B-2FD231CA59E5}" type="datetimeFigureOut">
               <a:rPr lang="ru-RU" smtClean="0"/>
-              <a:t>02.03.2021</a:t>
+              <a:t>03.03.2021</a:t>
             </a:fld>
             <a:endParaRPr lang="ru-RU"/>
           </a:p>
@@ -3670,7 +3671,7 @@
           <a:p>
             <a:fld id="{7796E1BD-6ECB-44CB-A8C1-527AA96C71EC}" type="datetimeFigureOut">
               <a:rPr lang="ru-RU" smtClean="0"/>
-              <a:t>02.03.2021</a:t>
+              <a:t>03.03.2021</a:t>
             </a:fld>
             <a:endParaRPr lang="ru-RU"/>
           </a:p>
@@ -3838,7 +3839,7 @@
           <a:p>
             <a:fld id="{7796E1BD-6ECB-44CB-A8C1-527AA96C71EC}" type="datetimeFigureOut">
               <a:rPr lang="ru-RU" smtClean="0"/>
-              <a:t>02.03.2021</a:t>
+              <a:t>03.03.2021</a:t>
             </a:fld>
             <a:endParaRPr lang="ru-RU"/>
           </a:p>
@@ -4016,7 +4017,7 @@
           <a:p>
             <a:fld id="{7796E1BD-6ECB-44CB-A8C1-527AA96C71EC}" type="datetimeFigureOut">
               <a:rPr lang="ru-RU" smtClean="0"/>
-              <a:t>02.03.2021</a:t>
+              <a:t>03.03.2021</a:t>
             </a:fld>
             <a:endParaRPr lang="ru-RU"/>
           </a:p>
@@ -4184,7 +4185,7 @@
           <a:p>
             <a:fld id="{7796E1BD-6ECB-44CB-A8C1-527AA96C71EC}" type="datetimeFigureOut">
               <a:rPr lang="ru-RU" smtClean="0"/>
-              <a:t>02.03.2021</a:t>
+              <a:t>03.03.2021</a:t>
             </a:fld>
             <a:endParaRPr lang="ru-RU"/>
           </a:p>
@@ -4429,7 +4430,7 @@
           <a:p>
             <a:fld id="{7796E1BD-6ECB-44CB-A8C1-527AA96C71EC}" type="datetimeFigureOut">
               <a:rPr lang="ru-RU" smtClean="0"/>
-              <a:t>02.03.2021</a:t>
+              <a:t>03.03.2021</a:t>
             </a:fld>
             <a:endParaRPr lang="ru-RU"/>
           </a:p>
@@ -4658,7 +4659,7 @@
           <a:p>
             <a:fld id="{7796E1BD-6ECB-44CB-A8C1-527AA96C71EC}" type="datetimeFigureOut">
               <a:rPr lang="ru-RU" smtClean="0"/>
-              <a:t>02.03.2021</a:t>
+              <a:t>03.03.2021</a:t>
             </a:fld>
             <a:endParaRPr lang="ru-RU"/>
           </a:p>
@@ -5022,7 +5023,7 @@
           <a:p>
             <a:fld id="{7796E1BD-6ECB-44CB-A8C1-527AA96C71EC}" type="datetimeFigureOut">
               <a:rPr lang="ru-RU" smtClean="0"/>
-              <a:t>02.03.2021</a:t>
+              <a:t>03.03.2021</a:t>
             </a:fld>
             <a:endParaRPr lang="ru-RU"/>
           </a:p>
@@ -5139,7 +5140,7 @@
           <a:p>
             <a:fld id="{7796E1BD-6ECB-44CB-A8C1-527AA96C71EC}" type="datetimeFigureOut">
               <a:rPr lang="ru-RU" smtClean="0"/>
-              <a:t>02.03.2021</a:t>
+              <a:t>03.03.2021</a:t>
             </a:fld>
             <a:endParaRPr lang="ru-RU"/>
           </a:p>
@@ -5234,7 +5235,7 @@
           <a:p>
             <a:fld id="{7796E1BD-6ECB-44CB-A8C1-527AA96C71EC}" type="datetimeFigureOut">
               <a:rPr lang="ru-RU" smtClean="0"/>
-              <a:t>02.03.2021</a:t>
+              <a:t>03.03.2021</a:t>
             </a:fld>
             <a:endParaRPr lang="ru-RU"/>
           </a:p>
@@ -5509,7 +5510,7 @@
           <a:p>
             <a:fld id="{7796E1BD-6ECB-44CB-A8C1-527AA96C71EC}" type="datetimeFigureOut">
               <a:rPr lang="ru-RU" smtClean="0"/>
-              <a:t>02.03.2021</a:t>
+              <a:t>03.03.2021</a:t>
             </a:fld>
             <a:endParaRPr lang="ru-RU"/>
           </a:p>
@@ -5761,7 +5762,7 @@
           <a:p>
             <a:fld id="{7796E1BD-6ECB-44CB-A8C1-527AA96C71EC}" type="datetimeFigureOut">
               <a:rPr lang="ru-RU" smtClean="0"/>
-              <a:t>02.03.2021</a:t>
+              <a:t>03.03.2021</a:t>
             </a:fld>
             <a:endParaRPr lang="ru-RU"/>
           </a:p>
@@ -5981,7 +5982,7 @@
           <a:p>
             <a:fld id="{7796E1BD-6ECB-44CB-A8C1-527AA96C71EC}" type="datetimeFigureOut">
               <a:rPr lang="ru-RU" smtClean="0"/>
-              <a:t>02.03.2021</a:t>
+              <a:t>03.03.2021</a:t>
             </a:fld>
             <a:endParaRPr lang="ru-RU"/>
           </a:p>
@@ -7215,6 +7216,72 @@
     <p:extLst>
       <p:ext uri="{BB962C8B-B14F-4D97-AF65-F5344CB8AC3E}">
         <p14:creationId xmlns:p14="http://schemas.microsoft.com/office/powerpoint/2010/main" val="1120451208"/>
+      </p:ext>
+    </p:extLst>
+  </p:cSld>
+  <p:clrMapOvr>
+    <a:masterClrMapping/>
+  </p:clrMapOvr>
+</p:sld>
+</file>
+
+<file path=ppt/slides/slide5.xml><?xml version="1.0" encoding="utf-8"?>
+<p:sld xmlns:a="http://schemas.openxmlformats.org/drawingml/2006/main" xmlns:r="http://schemas.openxmlformats.org/officeDocument/2006/relationships" xmlns:p="http://schemas.openxmlformats.org/presentationml/2006/main">
+  <p:cSld>
+    <p:spTree>
+      <p:nvGrpSpPr>
+        <p:cNvPr id="1" name=""/>
+        <p:cNvGrpSpPr/>
+        <p:nvPr/>
+      </p:nvGrpSpPr>
+      <p:grpSpPr>
+        <a:xfrm>
+          <a:off x="0" y="0"/>
+          <a:ext cx="0" cy="0"/>
+          <a:chOff x="0" y="0"/>
+          <a:chExt cx="0" cy="0"/>
+        </a:xfrm>
+      </p:grpSpPr>
+      <p:pic>
+        <p:nvPicPr>
+          <p:cNvPr id="4" name="Рисунок 4">
+            <a:extLst>
+              <a:ext uri="{FF2B5EF4-FFF2-40B4-BE49-F238E27FC236}">
+                <a16:creationId xmlns:a16="http://schemas.microsoft.com/office/drawing/2014/main" id="{1B049CD3-B407-344B-BF47-165227DCC11D}"/>
+              </a:ext>
+            </a:extLst>
+          </p:cNvPr>
+          <p:cNvPicPr>
+            <a:picLocks noChangeAspect="1"/>
+          </p:cNvPicPr>
+          <p:nvPr/>
+        </p:nvPicPr>
+        <p:blipFill>
+          <a:blip r:embed="rId2">
+            <a:extLst>
+              <a:ext uri="{28A0092B-C50C-407E-A947-70E740481C1C}">
+                <a14:useLocalDpi xmlns:a14="http://schemas.microsoft.com/office/drawing/2010/main" val="0"/>
+              </a:ext>
+            </a:extLst>
+          </a:blip>
+          <a:stretch>
+            <a:fillRect/>
+          </a:stretch>
+        </p:blipFill>
+        <p:spPr>
+          <a:xfrm>
+            <a:off x="1510331" y="842212"/>
+            <a:ext cx="9171338" cy="5173575"/>
+          </a:xfrm>
+          <a:prstGeom prst="rect">
+            <a:avLst/>
+          </a:prstGeom>
+        </p:spPr>
+      </p:pic>
+    </p:spTree>
+    <p:extLst>
+      <p:ext uri="{BB962C8B-B14F-4D97-AF65-F5344CB8AC3E}">
+        <p14:creationId xmlns:p14="http://schemas.microsoft.com/office/powerpoint/2010/main" val="79476047"/>
       </p:ext>
     </p:extLst>
   </p:cSld>
